--- a/7/CS109 Presentation.pptx
+++ b/7/CS109 Presentation.pptx
@@ -109,6 +109,147 @@
     </a:lvl9pPr>
   </p:defaultTextStyle>
 </p:presentation>
+</file>
+
+<file path=ppt/charts/chart1.xml><?xml version="1.0" encoding="utf-8"?>
+<c:chartSpace xmlns:c="http://schemas.openxmlformats.org/drawingml/2006/chart" xmlns:a="http://schemas.openxmlformats.org/drawingml/2006/main" xmlns:r="http://schemas.openxmlformats.org/officeDocument/2006/relationships">
+  <c:date1904 val="0"/>
+  <c:lang val="en-US"/>
+  <c:roundedCorners val="0"/>
+  <mc:AlternateContent xmlns:mc="http://schemas.openxmlformats.org/markup-compatibility/2006">
+    <mc:Choice xmlns:c14="http://schemas.microsoft.com/office/drawing/2007/8/2/chart" Requires="c14">
+      <c14:style val="118"/>
+    </mc:Choice>
+    <mc:Fallback>
+      <c:style val="18"/>
+    </mc:Fallback>
+  </mc:AlternateContent>
+  <c:chart>
+    <c:title>
+      <c:layout/>
+      <c:overlay val="0"/>
+    </c:title>
+    <c:autoTitleDeleted val="0"/>
+    <c:plotArea>
+      <c:layout/>
+      <c:barChart>
+        <c:barDir val="col"/>
+        <c:grouping val="clustered"/>
+        <c:varyColors val="0"/>
+        <c:ser>
+          <c:idx val="0"/>
+          <c:order val="0"/>
+          <c:tx>
+            <c:strRef>
+              <c:f>Sheet1!$B$1</c:f>
+              <c:strCache>
+                <c:ptCount val="1"/>
+                <c:pt idx="0">
+                  <c:v>Cost Per Patient</c:v>
+                </c:pt>
+              </c:strCache>
+            </c:strRef>
+          </c:tx>
+          <c:invertIfNegative val="0"/>
+          <c:cat>
+            <c:strRef>
+              <c:f>Sheet1!$A$2:$A$3</c:f>
+              <c:strCache>
+                <c:ptCount val="2"/>
+                <c:pt idx="0">
+                  <c:v>W/O Model</c:v>
+                </c:pt>
+                <c:pt idx="1">
+                  <c:v>W/ Model</c:v>
+                </c:pt>
+              </c:strCache>
+            </c:strRef>
+          </c:cat>
+          <c:val>
+            <c:numRef>
+              <c:f>Sheet1!$B$2:$B$3</c:f>
+              <c:numCache>
+                <c:formatCode>"$"#,##0.00_);[Red]\("$"#,##0.00\)</c:formatCode>
+                <c:ptCount val="2"/>
+                <c:pt idx="0">
+                  <c:v>796.46</c:v>
+                </c:pt>
+                <c:pt idx="1">
+                  <c:v>687.17</c:v>
+                </c:pt>
+              </c:numCache>
+            </c:numRef>
+          </c:val>
+        </c:ser>
+        <c:dLbls>
+          <c:showLegendKey val="0"/>
+          <c:showVal val="0"/>
+          <c:showCatName val="0"/>
+          <c:showSerName val="0"/>
+          <c:showPercent val="0"/>
+          <c:showBubbleSize val="0"/>
+        </c:dLbls>
+        <c:gapWidth val="150"/>
+        <c:axId val="2141645016"/>
+        <c:axId val="2129691704"/>
+      </c:barChart>
+      <c:catAx>
+        <c:axId val="2141645016"/>
+        <c:scaling>
+          <c:orientation val="minMax"/>
+        </c:scaling>
+        <c:delete val="0"/>
+        <c:axPos val="b"/>
+        <c:majorTickMark val="out"/>
+        <c:minorTickMark val="none"/>
+        <c:tickLblPos val="nextTo"/>
+        <c:crossAx val="2129691704"/>
+        <c:crosses val="autoZero"/>
+        <c:auto val="1"/>
+        <c:lblAlgn val="ctr"/>
+        <c:lblOffset val="100"/>
+        <c:noMultiLvlLbl val="0"/>
+      </c:catAx>
+      <c:valAx>
+        <c:axId val="2129691704"/>
+        <c:scaling>
+          <c:orientation val="minMax"/>
+        </c:scaling>
+        <c:delete val="0"/>
+        <c:axPos val="l"/>
+        <c:majorGridlines/>
+        <c:numFmt formatCode="&quot;$&quot;#,##0.00_);[Red]\(&quot;$&quot;#,##0.00\)" sourceLinked="1"/>
+        <c:majorTickMark val="out"/>
+        <c:minorTickMark val="none"/>
+        <c:tickLblPos val="nextTo"/>
+        <c:crossAx val="2141645016"/>
+        <c:crosses val="autoZero"/>
+        <c:crossBetween val="between"/>
+      </c:valAx>
+    </c:plotArea>
+    <c:legend>
+      <c:legendPos val="r"/>
+      <c:layout/>
+      <c:overlay val="0"/>
+    </c:legend>
+    <c:plotVisOnly val="1"/>
+    <c:dispBlanksAs val="gap"/>
+    <c:showDLblsOverMax val="0"/>
+  </c:chart>
+  <c:txPr>
+    <a:bodyPr/>
+    <a:lstStyle/>
+    <a:p>
+      <a:pPr>
+        <a:defRPr sz="1800"/>
+      </a:pPr>
+      <a:endParaRPr lang="en-US"/>
+    </a:p>
+  </c:txPr>
+  <c:externalData r:id="rId1">
+    <c:autoUpdate val="0"/>
+  </c:externalData>
+</c:chartSpace>
 </file>
 
 <file path=ppt/slideLayouts/slideLayout1.xml><?xml version="1.0" encoding="utf-8"?>
@@ -8722,7 +8863,11 @@
           <a:bodyPr/>
           <a:lstStyle/>
           <a:p>
-            <a:endParaRPr lang="en-US"/>
+            <a:r>
+              <a:rPr lang="en-US" dirty="0" smtClean="0"/>
+              <a:t>How Do we Fix the System?</a:t>
+            </a:r>
+            <a:endParaRPr lang="en-US" dirty="0"/>
           </a:p>
         </p:txBody>
       </p:sp>
@@ -8741,7 +8886,31 @@
           <a:bodyPr/>
           <a:lstStyle/>
           <a:p>
-            <a:endParaRPr lang="en-US"/>
+            <a:r>
+              <a:rPr lang="en-US" dirty="0" smtClean="0"/>
+              <a:t>We need to find the right situations to diagnose patients and when to abstain from making a diagnosis</a:t>
+            </a:r>
+          </a:p>
+          <a:p>
+            <a:r>
+              <a:rPr lang="en-US" dirty="0" smtClean="0"/>
+              <a:t>We need to make decisions based on probability of a disease given the data we have.</a:t>
+            </a:r>
+          </a:p>
+          <a:p>
+            <a:r>
+              <a:rPr lang="en-US" dirty="0" smtClean="0"/>
+              <a:t>We need to find the threshold probability where we can minimize the cost per patient.</a:t>
+            </a:r>
+          </a:p>
+          <a:p>
+            <a:r>
+              <a:rPr lang="en-US" dirty="0" smtClean="0"/>
+              <a:t>In summary, we need to find the optimal level of certainty we need to diagnose a patient</a:t>
+            </a:r>
+          </a:p>
+          <a:p>
+            <a:endParaRPr lang="en-US" dirty="0"/>
           </a:p>
         </p:txBody>
       </p:sp>
@@ -8790,26 +8959,291 @@
           <a:bodyPr/>
           <a:lstStyle/>
           <a:p>
-            <a:endParaRPr lang="en-US"/>
-          </a:p>
-        </p:txBody>
-      </p:sp>
-      <p:sp>
-        <p:nvSpPr>
-          <p:cNvPr id="3" name="Content Placeholder 2"/>
-          <p:cNvSpPr>
-            <a:spLocks noGrp="1"/>
-          </p:cNvSpPr>
+            <a:r>
+              <a:rPr lang="en-US" dirty="0" smtClean="0"/>
+              <a:t>How Do We Find Our Threshold?</a:t>
+            </a:r>
+            <a:endParaRPr lang="en-US" dirty="0"/>
+          </a:p>
+        </p:txBody>
+      </p:sp>
+      <p:pic>
+        <p:nvPicPr>
+          <p:cNvPr id="4" name="Content Placeholder 3" descr="maths-ftr.jpg"/>
+          <p:cNvPicPr>
+            <a:picLocks noGrp="1" noChangeAspect="1"/>
+          </p:cNvPicPr>
           <p:nvPr>
             <p:ph idx="1"/>
           </p:nvPr>
-        </p:nvSpPr>
-        <p:spPr/>
-        <p:txBody>
-          <a:bodyPr/>
-          <a:lstStyle/>
-          <a:p>
-            <a:endParaRPr lang="en-US"/>
+        </p:nvPicPr>
+        <p:blipFill>
+          <a:blip r:embed="rId2">
+            <a:extLst>
+              <a:ext uri="{28A0092B-C50C-407E-A947-70E740481C1C}">
+                <a14:useLocalDpi xmlns:a14="http://schemas.microsoft.com/office/drawing/2010/main" val="0"/>
+              </a:ext>
+            </a:extLst>
+          </a:blip>
+          <a:srcRect t="6118" b="6118"/>
+          <a:stretch>
+            <a:fillRect/>
+          </a:stretch>
+        </p:blipFill>
+        <p:spPr>
+          <a:xfrm>
+            <a:off x="2156946" y="1807882"/>
+            <a:ext cx="5089526" cy="2495457"/>
+          </a:xfrm>
+        </p:spPr>
+      </p:pic>
+      <p:sp>
+        <p:nvSpPr>
+          <p:cNvPr id="6" name="Content Placeholder 2"/>
+          <p:cNvSpPr txBox="1">
+            <a:spLocks/>
+          </p:cNvSpPr>
+          <p:nvPr/>
+        </p:nvSpPr>
+        <p:spPr>
+          <a:xfrm>
+            <a:off x="498474" y="4497294"/>
+            <a:ext cx="7556313" cy="2002118"/>
+          </a:xfrm>
+          <a:prstGeom prst="rect">
+            <a:avLst/>
+          </a:prstGeom>
+        </p:spPr>
+        <p:txBody>
+          <a:bodyPr vert="horz" lIns="91440" tIns="45720" rIns="91440" bIns="45720" rtlCol="0">
+            <a:normAutofit/>
+          </a:bodyPr>
+          <a:lstStyle>
+            <a:lvl1pPr marL="228600" indent="-228600" algn="l" defTabSz="914400" rtl="0" eaLnBrk="1" latinLnBrk="0" hangingPunct="1">
+              <a:spcBef>
+                <a:spcPts val="2000"/>
+              </a:spcBef>
+              <a:buClr>
+                <a:schemeClr val="accent1"/>
+              </a:buClr>
+              <a:buSzPct val="75000"/>
+              <a:buFont typeface="Wingdings" pitchFamily="2" charset="2"/>
+              <a:buChar char="n"/>
+              <a:defRPr sz="2000" kern="1200">
+                <a:solidFill>
+                  <a:schemeClr val="tx1">
+                    <a:lumMod val="65000"/>
+                    <a:lumOff val="35000"/>
+                  </a:schemeClr>
+                </a:solidFill>
+                <a:latin typeface="+mn-lt"/>
+                <a:ea typeface="+mn-ea"/>
+                <a:cs typeface="+mn-cs"/>
+              </a:defRPr>
+            </a:lvl1pPr>
+            <a:lvl2pPr marL="457200" indent="-228600" algn="l" defTabSz="914400" rtl="0" eaLnBrk="1" latinLnBrk="0" hangingPunct="1">
+              <a:spcBef>
+                <a:spcPts val="600"/>
+              </a:spcBef>
+              <a:buClr>
+                <a:schemeClr val="accent1">
+                  <a:lumMod val="60000"/>
+                  <a:lumOff val="40000"/>
+                </a:schemeClr>
+              </a:buClr>
+              <a:buSzPct val="75000"/>
+              <a:buFont typeface="Wingdings" pitchFamily="2" charset="2"/>
+              <a:buChar char="n"/>
+              <a:defRPr sz="1800" kern="1200">
+                <a:solidFill>
+                  <a:schemeClr val="tx1">
+                    <a:lumMod val="65000"/>
+                    <a:lumOff val="35000"/>
+                  </a:schemeClr>
+                </a:solidFill>
+                <a:latin typeface="+mn-lt"/>
+                <a:ea typeface="+mn-ea"/>
+                <a:cs typeface="+mn-cs"/>
+              </a:defRPr>
+            </a:lvl2pPr>
+            <a:lvl3pPr marL="685800" indent="-228600" algn="l" defTabSz="914400" rtl="0" eaLnBrk="1" latinLnBrk="0" hangingPunct="1">
+              <a:spcBef>
+                <a:spcPts val="600"/>
+              </a:spcBef>
+              <a:buClr>
+                <a:schemeClr val="accent1"/>
+              </a:buClr>
+              <a:buSzPct val="75000"/>
+              <a:buFont typeface="Wingdings" pitchFamily="2" charset="2"/>
+              <a:buChar char="n"/>
+              <a:defRPr sz="1800" kern="1200">
+                <a:solidFill>
+                  <a:schemeClr val="tx1">
+                    <a:lumMod val="65000"/>
+                    <a:lumOff val="35000"/>
+                  </a:schemeClr>
+                </a:solidFill>
+                <a:latin typeface="+mn-lt"/>
+                <a:ea typeface="+mn-ea"/>
+                <a:cs typeface="+mn-cs"/>
+              </a:defRPr>
+            </a:lvl3pPr>
+            <a:lvl4pPr marL="914400" indent="-228600" algn="l" defTabSz="914400" rtl="0" eaLnBrk="1" latinLnBrk="0" hangingPunct="1">
+              <a:spcBef>
+                <a:spcPts val="600"/>
+              </a:spcBef>
+              <a:buClr>
+                <a:schemeClr val="accent1">
+                  <a:lumMod val="60000"/>
+                  <a:lumOff val="40000"/>
+                </a:schemeClr>
+              </a:buClr>
+              <a:buSzPct val="75000"/>
+              <a:buFont typeface="Wingdings" pitchFamily="2" charset="2"/>
+              <a:buChar char="n"/>
+              <a:defRPr sz="1800" kern="1200">
+                <a:solidFill>
+                  <a:schemeClr val="tx1">
+                    <a:lumMod val="65000"/>
+                    <a:lumOff val="35000"/>
+                  </a:schemeClr>
+                </a:solidFill>
+                <a:latin typeface="+mn-lt"/>
+                <a:ea typeface="+mn-ea"/>
+                <a:cs typeface="+mn-cs"/>
+              </a:defRPr>
+            </a:lvl4pPr>
+            <a:lvl5pPr marL="1143000" indent="-228600" algn="l" defTabSz="914400" rtl="0" eaLnBrk="1" latinLnBrk="0" hangingPunct="1">
+              <a:spcBef>
+                <a:spcPts val="600"/>
+              </a:spcBef>
+              <a:buClr>
+                <a:schemeClr val="accent1"/>
+              </a:buClr>
+              <a:buSzPct val="75000"/>
+              <a:buFont typeface="Wingdings" pitchFamily="2" charset="2"/>
+              <a:buChar char="n"/>
+              <a:defRPr sz="1800" kern="1200">
+                <a:solidFill>
+                  <a:schemeClr val="tx1">
+                    <a:lumMod val="65000"/>
+                    <a:lumOff val="35000"/>
+                  </a:schemeClr>
+                </a:solidFill>
+                <a:latin typeface="+mn-lt"/>
+                <a:ea typeface="+mn-ea"/>
+                <a:cs typeface="+mn-cs"/>
+              </a:defRPr>
+            </a:lvl5pPr>
+            <a:lvl6pPr marL="1377950" indent="-228600" algn="l" defTabSz="914400" rtl="0" eaLnBrk="1" latinLnBrk="0" hangingPunct="1">
+              <a:spcBef>
+                <a:spcPct val="20000"/>
+              </a:spcBef>
+              <a:buClr>
+                <a:schemeClr val="accent1">
+                  <a:lumMod val="60000"/>
+                  <a:lumOff val="40000"/>
+                </a:schemeClr>
+              </a:buClr>
+              <a:buSzPct val="75000"/>
+              <a:buFont typeface="Wingdings" pitchFamily="2" charset="2"/>
+              <a:buChar char=""/>
+              <a:defRPr lang="en-US" sz="1800" kern="1200" dirty="0" smtClean="0">
+                <a:solidFill>
+                  <a:schemeClr val="tx1">
+                    <a:lumMod val="65000"/>
+                    <a:lumOff val="35000"/>
+                  </a:schemeClr>
+                </a:solidFill>
+                <a:latin typeface="+mn-lt"/>
+                <a:ea typeface="+mn-ea"/>
+                <a:cs typeface="+mn-cs"/>
+              </a:defRPr>
+            </a:lvl6pPr>
+            <a:lvl7pPr marL="1603375" indent="-228600" algn="l" defTabSz="914400" rtl="0" eaLnBrk="1" latinLnBrk="0" hangingPunct="1">
+              <a:spcBef>
+                <a:spcPct val="20000"/>
+              </a:spcBef>
+              <a:buClr>
+                <a:schemeClr val="accent1"/>
+              </a:buClr>
+              <a:buSzPct val="75000"/>
+              <a:buFont typeface="Wingdings" pitchFamily="2" charset="2"/>
+              <a:buChar char=""/>
+              <a:defRPr lang="en-US" sz="1800" kern="1200" baseline="0" dirty="0" smtClean="0">
+                <a:solidFill>
+                  <a:schemeClr val="tx1">
+                    <a:lumMod val="65000"/>
+                    <a:lumOff val="35000"/>
+                  </a:schemeClr>
+                </a:solidFill>
+                <a:latin typeface="+mn-lt"/>
+                <a:ea typeface="+mn-ea"/>
+                <a:cs typeface="+mn-cs"/>
+              </a:defRPr>
+            </a:lvl7pPr>
+            <a:lvl8pPr marL="1830388" indent="-228600" algn="l" defTabSz="914400" rtl="0" eaLnBrk="1" latinLnBrk="0" hangingPunct="1">
+              <a:spcBef>
+                <a:spcPct val="20000"/>
+              </a:spcBef>
+              <a:buClr>
+                <a:schemeClr val="accent1">
+                  <a:lumMod val="60000"/>
+                  <a:lumOff val="40000"/>
+                </a:schemeClr>
+              </a:buClr>
+              <a:buSzPct val="75000"/>
+              <a:buFont typeface="Wingdings" pitchFamily="2" charset="2"/>
+              <a:buChar char=""/>
+              <a:defRPr lang="en-US" sz="1800" kern="1200" baseline="0" dirty="0" smtClean="0">
+                <a:solidFill>
+                  <a:schemeClr val="tx1">
+                    <a:lumMod val="65000"/>
+                    <a:lumOff val="35000"/>
+                  </a:schemeClr>
+                </a:solidFill>
+                <a:latin typeface="+mn-lt"/>
+                <a:ea typeface="+mn-ea"/>
+                <a:cs typeface="+mn-cs"/>
+              </a:defRPr>
+            </a:lvl8pPr>
+            <a:lvl9pPr marL="2057400" indent="-228600" algn="l" defTabSz="914400" rtl="0" eaLnBrk="1" latinLnBrk="0" hangingPunct="1">
+              <a:spcBef>
+                <a:spcPct val="20000"/>
+              </a:spcBef>
+              <a:buClr>
+                <a:schemeClr val="accent1"/>
+              </a:buClr>
+              <a:buSzPct val="75000"/>
+              <a:buFont typeface="Wingdings" pitchFamily="2" charset="2"/>
+              <a:buChar char=""/>
+              <a:defRPr lang="en-US" sz="1800" kern="1200" baseline="0" dirty="0">
+                <a:solidFill>
+                  <a:schemeClr val="tx1">
+                    <a:lumMod val="65000"/>
+                    <a:lumOff val="35000"/>
+                  </a:schemeClr>
+                </a:solidFill>
+                <a:latin typeface="+mn-lt"/>
+                <a:ea typeface="+mn-ea"/>
+                <a:cs typeface="+mn-cs"/>
+              </a:defRPr>
+            </a:lvl9pPr>
+          </a:lstStyle>
+          <a:p>
+            <a:r>
+              <a:rPr lang="en-US" dirty="0" smtClean="0"/>
+              <a:t>Skipping the boring details, we train a model based on all of our previous thyroid diagnosis data and how it related to thyroid-stimulating hormones</a:t>
+            </a:r>
+          </a:p>
+          <a:p>
+            <a:r>
+              <a:rPr lang="en-US" dirty="0" smtClean="0"/>
+              <a:t>We can then test our model with the entire range of thresholds to find which one minimizes cost.</a:t>
+            </a:r>
+          </a:p>
+          <a:p>
+            <a:endParaRPr lang="en-US" dirty="0"/>
           </a:p>
         </p:txBody>
       </p:sp>
@@ -8858,7 +9292,15 @@
           <a:bodyPr/>
           <a:lstStyle/>
           <a:p>
-            <a:endParaRPr lang="en-US"/>
+            <a:r>
+              <a:rPr lang="en-US" dirty="0" smtClean="0"/>
+              <a:t>The Results</a:t>
+            </a:r>
+            <a:r>
+              <a:rPr lang="mr-IN" dirty="0" smtClean="0"/>
+              <a:t>…</a:t>
+            </a:r>
+            <a:endParaRPr lang="en-US" dirty="0"/>
           </a:p>
         </p:txBody>
       </p:sp>
@@ -8872,15 +9314,86 @@
             <p:ph idx="1"/>
           </p:nvPr>
         </p:nvSpPr>
-        <p:spPr/>
-        <p:txBody>
-          <a:bodyPr/>
-          <a:lstStyle/>
-          <a:p>
-            <a:endParaRPr lang="en-US"/>
-          </a:p>
-        </p:txBody>
-      </p:sp>
+        <p:spPr>
+          <a:xfrm>
+            <a:off x="4467412" y="1727201"/>
+            <a:ext cx="3587375" cy="4353858"/>
+          </a:xfrm>
+        </p:spPr>
+        <p:txBody>
+          <a:bodyPr>
+            <a:normAutofit fontScale="92500"/>
+          </a:bodyPr>
+          <a:lstStyle/>
+          <a:p>
+            <a:r>
+              <a:rPr lang="en-US" dirty="0" smtClean="0"/>
+              <a:t>Using the previously explained process, we were able to create a model that uses an ‘abstain’ option.</a:t>
+            </a:r>
+          </a:p>
+          <a:p>
+            <a:r>
+              <a:rPr lang="en-US" dirty="0" smtClean="0"/>
+              <a:t>And it was good</a:t>
+            </a:r>
+            <a:r>
+              <a:rPr lang="mr-IN" dirty="0" smtClean="0"/>
+              <a:t>…</a:t>
+            </a:r>
+            <a:endParaRPr lang="en-US" dirty="0" smtClean="0"/>
+          </a:p>
+          <a:p>
+            <a:r>
+              <a:rPr lang="en-US" dirty="0" smtClean="0"/>
+              <a:t>Before using our model, the hospital spent </a:t>
+            </a:r>
+            <a:r>
+              <a:rPr lang="en-US" b="1" dirty="0" smtClean="0"/>
+              <a:t>$796.46</a:t>
+            </a:r>
+            <a:r>
+              <a:rPr lang="en-US" dirty="0" smtClean="0"/>
+              <a:t> dollars per patient</a:t>
+            </a:r>
+          </a:p>
+          <a:p>
+            <a:r>
+              <a:rPr lang="en-US" dirty="0" smtClean="0"/>
+              <a:t>With the model, we lower the cost by over $100 per patient to only </a:t>
+            </a:r>
+            <a:r>
+              <a:rPr lang="en-US" b="1" dirty="0" smtClean="0"/>
+              <a:t>$687.17</a:t>
+            </a:r>
+            <a:r>
+              <a:rPr lang="en-US" dirty="0" smtClean="0"/>
+              <a:t> per patient</a:t>
+            </a:r>
+          </a:p>
+        </p:txBody>
+      </p:sp>
+      <p:graphicFrame>
+        <p:nvGraphicFramePr>
+          <p:cNvPr id="5" name="Chart 4"/>
+          <p:cNvGraphicFramePr/>
+          <p:nvPr>
+            <p:extLst>
+              <p:ext uri="{D42A27DB-BD31-4B8C-83A1-F6EECF244321}">
+                <p14:modId xmlns:p14="http://schemas.microsoft.com/office/powerpoint/2010/main" val="2804399770"/>
+              </p:ext>
+            </p:extLst>
+          </p:nvPr>
+        </p:nvGraphicFramePr>
+        <p:xfrm>
+          <a:off x="498474" y="1659965"/>
+          <a:ext cx="4073526" cy="4421094"/>
+        </p:xfrm>
+        <a:graphic>
+          <a:graphicData uri="http://schemas.openxmlformats.org/drawingml/2006/chart">
+            <c:chart xmlns:c="http://schemas.openxmlformats.org/drawingml/2006/chart" xmlns:r="http://schemas.openxmlformats.org/officeDocument/2006/relationships" r:id="rId2"/>
+          </a:graphicData>
+        </a:graphic>
+      </p:graphicFrame>
     </p:spTree>
     <p:extLst>
       <p:ext uri="{BB962C8B-B14F-4D97-AF65-F5344CB8AC3E}">
